--- a/Presentacion/presentacion - data pipeline.pptx
+++ b/Presentacion/presentacion - data pipeline.pptx
@@ -5,13 +5,12 @@
     <p:sldMasterId id="2147483648" r:id="rId1"/>
   </p:sldMasterIdLst>
   <p:notesMasterIdLst>
-    <p:notesMasterId r:id="rId6"/>
+    <p:notesMasterId r:id="rId5"/>
   </p:notesMasterIdLst>
   <p:sldIdLst>
     <p:sldId id="258" r:id="rId2"/>
     <p:sldId id="259" r:id="rId3"/>
-    <p:sldId id="260" r:id="rId4"/>
-    <p:sldId id="261" r:id="rId5"/>
+    <p:sldId id="262" r:id="rId4"/>
   </p:sldIdLst>
   <p:sldSz cx="12192000" cy="6858000"/>
   <p:notesSz cx="6858000" cy="9144000"/>
@@ -763,7 +762,7 @@
             <a:r>
               <a:rPr lang="en-GB"/>
               <a:t>LiveSlide
-https://fmicand.carto.com/builder/84125710-4872-11e6-ba69-0ee66e2c9693/embed</a:t>
+https://fmicand.carto.com/builder/58cd376c-c5e7-11e6-9cbc-0e05a8b3e3d7/embed</a:t>
             </a:r>
             <a:endParaRPr lang="en-GB"/>
           </a:p>
@@ -786,7 +785,7 @@
           <a:p>
             <a:fld id="{EAE8DA98-29F5-4E62-B70C-47143FF4000B}" type="slidenum">
               <a:rPr lang="en-GB" smtClean="0"/>
-              <a:t>4</a:t>
+              <a:t>3</a:t>
             </a:fld>
             <a:endParaRPr lang="en-GB"/>
           </a:p>
@@ -795,7 +794,7 @@
     </p:spTree>
     <p:extLst>
       <p:ext uri="{BB962C8B-B14F-4D97-AF65-F5344CB8AC3E}">
-        <p14:creationId xmlns:p14="http://schemas.microsoft.com/office/powerpoint/2010/main" val="4133013259"/>
+        <p14:creationId xmlns:p14="http://schemas.microsoft.com/office/powerpoint/2010/main" val="3818752463"/>
       </p:ext>
     </p:extLst>
   </p:cSld>
@@ -7155,185 +7154,6 @@
           <a:chExt cx="0" cy="0"/>
         </a:xfrm>
       </p:grpSpPr>
-      <p:sp>
-        <p:nvSpPr>
-          <p:cNvPr id="2" name="Titolo 1"/>
-          <p:cNvSpPr>
-            <a:spLocks noGrp="1"/>
-          </p:cNvSpPr>
-          <p:nvPr>
-            <p:ph type="title"/>
-          </p:nvPr>
-        </p:nvSpPr>
-        <p:spPr/>
-        <p:txBody>
-          <a:bodyPr/>
-          <a:lstStyle/>
-          <a:p>
-            <a:r>
-              <a:rPr lang="it-IT" dirty="0"/>
-              <a:t>Data Overview</a:t>
-            </a:r>
-          </a:p>
-        </p:txBody>
-      </p:sp>
-      <p:sp>
-        <p:nvSpPr>
-          <p:cNvPr id="3" name="Segnaposto numero diapositiva 2"/>
-          <p:cNvSpPr>
-            <a:spLocks noGrp="1"/>
-          </p:cNvSpPr>
-          <p:nvPr>
-            <p:ph type="sldNum" sz="quarter" idx="12"/>
-          </p:nvPr>
-        </p:nvSpPr>
-        <p:spPr/>
-        <p:txBody>
-          <a:bodyPr/>
-          <a:lstStyle/>
-          <a:p>
-            <a:fld id="{ECA108CD-8637-49E2-8C64-0B539A0874D0}" type="slidenum">
-              <a:rPr lang="it-IT" smtClean="0"/>
-              <a:t>3</a:t>
-            </a:fld>
-            <a:endParaRPr lang="it-IT"/>
-          </a:p>
-        </p:txBody>
-      </p:sp>
-      <p:sp>
-        <p:nvSpPr>
-          <p:cNvPr id="6" name="CasellaDiTesto 5"/>
-          <p:cNvSpPr txBox="1"/>
-          <p:nvPr/>
-        </p:nvSpPr>
-        <p:spPr>
-          <a:xfrm>
-            <a:off x="1042737" y="3331021"/>
-            <a:ext cx="7772400" cy="2308324"/>
-          </a:xfrm>
-          <a:prstGeom prst="rect">
-            <a:avLst/>
-          </a:prstGeom>
-          <a:noFill/>
-        </p:spPr>
-        <p:txBody>
-          <a:bodyPr wrap="square" rtlCol="0">
-            <a:spAutoFit/>
-          </a:bodyPr>
-          <a:lstStyle/>
-          <a:p>
-            <a:r>
-              <a:rPr lang="it-IT" sz="2400" b="1" dirty="0"/>
-              <a:t>Number of flats per neighborhood on a CartoDB heatmap.</a:t>
-            </a:r>
-          </a:p>
-          <a:p>
-            <a:r>
-              <a:rPr lang="it-IT" sz="2400" b="1" dirty="0"/>
-              <a:t>(example in next slide). </a:t>
-            </a:r>
-          </a:p>
-          <a:p>
-            <a:endParaRPr lang="it-IT" sz="2400" b="1" dirty="0"/>
-          </a:p>
-          <a:p>
-            <a:r>
-              <a:rPr lang="it-IT" sz="2400" b="1" dirty="0"/>
-              <a:t>You need to install this PowerPoint add-on to see it as a live content:</a:t>
-            </a:r>
-          </a:p>
-          <a:p>
-            <a:r>
-              <a:rPr lang="it-IT" sz="2400" b="1" dirty="0"/>
-              <a:t>https://www.liveslides.com</a:t>
-            </a:r>
-            <a:endParaRPr lang="it-IT" sz="2400" b="1" dirty="0"/>
-          </a:p>
-        </p:txBody>
-      </p:sp>
-      <p:sp>
-        <p:nvSpPr>
-          <p:cNvPr id="9" name="TextBox 8"/>
-          <p:cNvSpPr txBox="1"/>
-          <p:nvPr/>
-        </p:nvSpPr>
-        <p:spPr>
-          <a:xfrm>
-            <a:off x="5063289" y="1690688"/>
-            <a:ext cx="2065421" cy="1292662"/>
-          </a:xfrm>
-          <a:prstGeom prst="rect">
-            <a:avLst/>
-          </a:prstGeom>
-          <a:noFill/>
-        </p:spPr>
-        <p:txBody>
-          <a:bodyPr wrap="square" rtlCol="0">
-            <a:spAutoFit/>
-          </a:bodyPr>
-          <a:lstStyle/>
-          <a:p>
-            <a:pPr lvl="0" algn="ctr"/>
-            <a:r>
-              <a:rPr lang="it-IT" sz="3600" b="1" dirty="0">
-                <a:solidFill>
-                  <a:prstClr val="black"/>
-                </a:solidFill>
-              </a:rPr>
-              <a:t>1820€</a:t>
-            </a:r>
-          </a:p>
-          <a:p>
-            <a:pPr lvl="0" algn="ctr"/>
-            <a:r>
-              <a:rPr lang="it-IT" sz="2400" b="1" dirty="0">
-                <a:solidFill>
-                  <a:srgbClr val="4F868E"/>
-                </a:solidFill>
-              </a:rPr>
-              <a:t>Average price</a:t>
-            </a:r>
-            <a:endParaRPr lang="it-IT" sz="3600" dirty="0">
-              <a:solidFill>
-                <a:prstClr val="black"/>
-              </a:solidFill>
-            </a:endParaRPr>
-          </a:p>
-          <a:p>
-            <a:endParaRPr lang="en-GB" dirty="0"/>
-          </a:p>
-        </p:txBody>
-      </p:sp>
-    </p:spTree>
-    <p:extLst>
-      <p:ext uri="{BB962C8B-B14F-4D97-AF65-F5344CB8AC3E}">
-        <p14:creationId xmlns:p14="http://schemas.microsoft.com/office/powerpoint/2010/main" val="3130444287"/>
-      </p:ext>
-    </p:extLst>
-  </p:cSld>
-  <p:clrMapOvr>
-    <a:masterClrMapping/>
-  </p:clrMapOvr>
-</p:sld>
-</file>
-
-<file path=ppt/slides/slide4.xml><?xml version="1.0" encoding="utf-8"?>
-<p:sld xmlns:a="http://schemas.openxmlformats.org/drawingml/2006/main" xmlns:r="http://schemas.openxmlformats.org/officeDocument/2006/relationships" xmlns:p="http://schemas.openxmlformats.org/presentationml/2006/main">
-  <p:cSld>
-    <p:spTree>
-      <p:nvGrpSpPr>
-        <p:cNvPr id="1" name=""/>
-        <p:cNvGrpSpPr/>
-        <p:nvPr/>
-      </p:nvGrpSpPr>
-      <p:grpSpPr>
-        <a:xfrm>
-          <a:off x="0" y="0"/>
-          <a:ext cx="0" cy="0"/>
-          <a:chOff x="0" y="0"/>
-          <a:chExt cx="0" cy="0"/>
-        </a:xfrm>
-      </p:grpSpPr>
       <p:pic>
         <p:nvPicPr>
           <p:cNvPr id="2" name="Picture 1"/>
@@ -7371,7 +7191,7 @@
     </p:spTree>
     <p:extLst>
       <p:ext uri="{BB962C8B-B14F-4D97-AF65-F5344CB8AC3E}">
-        <p14:creationId xmlns:p14="http://schemas.microsoft.com/office/powerpoint/2010/main" val="4159668224"/>
+        <p14:creationId xmlns:p14="http://schemas.microsoft.com/office/powerpoint/2010/main" val="28029226"/>
       </p:ext>
     </p:extLst>
   </p:cSld>
@@ -7383,7 +7203,7 @@
 
 <file path=ppt/tags/tag1.xml><?xml version="1.0" encoding="utf-8"?>
 <p:tagLst xmlns:a="http://schemas.openxmlformats.org/drawingml/2006/main" xmlns:r="http://schemas.openxmlformats.org/officeDocument/2006/relationships" xmlns:p="http://schemas.openxmlformats.org/presentationml/2006/main">
-  <p:tag name="__PE_POLL_EMBED_ID" val="5db11613-9195-4390-8827-ca1da7566b07"/>
+  <p:tag name="__PE_POLL_EMBED_ID" val="0f2aa573-fd5c-4478-986b-b48b8a181002"/>
   <p:tag name="__PE_POLL_URL" val="True"/>
   <p:tag name="__PE_ORIG_SIZE" val="500"/>
 </p:tagLst>
